--- a/PaperDataProcess/Fluorescence shelving of a superconducting circuit/roomTSetup.pptx
+++ b/PaperDataProcess/Fluorescence shelving of a superconducting circuit/roomTSetup.pptx
@@ -104,6 +104,11 @@
       </a:defRPr>
     </a:lvl9pPr>
   </p:defaultTextStyle>
+  <p:extLst>
+    <p:ext uri="{EFAFB233-063F-42B5-8137-9DF3F51BA10A}">
+      <p15:sldGuideLst xmlns:p15="http://schemas.microsoft.com/office/powerpoint/2012/main"/>
+    </p:ext>
+  </p:extLst>
 </p:presentation>
 </file>
 
@@ -3406,7 +3411,7 @@
         </p:nvSpPr>
         <p:spPr>
           <a:xfrm>
-            <a:off x="1256121" y="481952"/>
+            <a:off x="1256121" y="901442"/>
             <a:ext cx="1941922" cy="527901"/>
           </a:xfrm>
           <a:prstGeom prst="rect">
@@ -3436,7 +3441,11 @@
             <a:pPr algn="ctr"/>
             <a:r>
               <a:rPr lang="en-US" altLang="zh-CN" dirty="0"/>
-              <a:t>RF: Drive1 </a:t>
+              <a:t>RF: </a:t>
+            </a:r>
+            <a:r>
+              <a:rPr lang="en-US" altLang="zh-CN" dirty="0" smtClean="0"/>
+              <a:t>Drive2 </a:t>
             </a:r>
             <a:endParaRPr lang="en-US" dirty="0"/>
           </a:p>
@@ -3456,7 +3465,7 @@
         </p:nvSpPr>
         <p:spPr>
           <a:xfrm>
-            <a:off x="1256121" y="1257301"/>
+            <a:off x="1239610" y="278099"/>
             <a:ext cx="1941922" cy="527901"/>
           </a:xfrm>
           <a:prstGeom prst="rect">
@@ -3486,7 +3495,11 @@
             <a:pPr algn="ctr"/>
             <a:r>
               <a:rPr lang="en-US" altLang="zh-CN" dirty="0"/>
-              <a:t>RF: Drive2 </a:t>
+              <a:t>RF: </a:t>
+            </a:r>
+            <a:r>
+              <a:rPr lang="en-US" altLang="zh-CN" dirty="0" smtClean="0"/>
+              <a:t>Drive1 </a:t>
             </a:r>
             <a:endParaRPr lang="en-US" dirty="0"/>
           </a:p>
@@ -3556,7 +3569,7 @@
         </p:nvSpPr>
         <p:spPr>
           <a:xfrm>
-            <a:off x="5167461" y="374720"/>
+            <a:off x="5167461" y="794210"/>
             <a:ext cx="1599414" cy="754145"/>
           </a:xfrm>
           <a:prstGeom prst="rect">
@@ -3703,7 +3716,7 @@
         </p:nvSpPr>
         <p:spPr>
           <a:xfrm>
-            <a:off x="8396143" y="374719"/>
+            <a:off x="8396143" y="794209"/>
             <a:ext cx="1599414" cy="754145"/>
           </a:xfrm>
           <a:prstGeom prst="rect">
@@ -3797,8 +3810,8 @@
         </p:nvCxnSpPr>
         <p:spPr>
           <a:xfrm rot="16200000" flipV="1">
-            <a:off x="5568888" y="1527145"/>
-            <a:ext cx="796562" cy="2"/>
+            <a:off x="5778633" y="1736890"/>
+            <a:ext cx="377072" cy="2"/>
           </a:xfrm>
           <a:prstGeom prst="bentConnector3">
             <a:avLst/>
@@ -4222,7 +4235,7 @@
         </p:nvCxnSpPr>
         <p:spPr>
           <a:xfrm>
-            <a:off x="3198043" y="745903"/>
+            <a:off x="3198043" y="1165393"/>
             <a:ext cx="1969418" cy="5890"/>
           </a:xfrm>
           <a:prstGeom prst="bentConnector3">
@@ -4264,7 +4277,7 @@
         </p:nvCxnSpPr>
         <p:spPr>
           <a:xfrm flipV="1">
-            <a:off x="6766875" y="751792"/>
+            <a:off x="6766875" y="1171282"/>
             <a:ext cx="1629268" cy="1"/>
           </a:xfrm>
           <a:prstGeom prst="bentConnector3">
@@ -4300,14 +4313,14 @@
           </p:cNvPr>
           <p:cNvCxnSpPr>
             <a:stCxn id="7" idx="3"/>
-            <a:endCxn id="14" idx="2"/>
+            <a:endCxn id="14" idx="0"/>
           </p:cNvCxnSpPr>
           <p:nvPr/>
         </p:nvCxnSpPr>
         <p:spPr>
-          <a:xfrm flipV="1">
-            <a:off x="3198043" y="1128864"/>
-            <a:ext cx="5997807" cy="392388"/>
+          <a:xfrm>
+            <a:off x="3181532" y="542050"/>
+            <a:ext cx="6014318" cy="252159"/>
           </a:xfrm>
           <a:prstGeom prst="bentConnector2">
             <a:avLst/>
@@ -4349,8 +4362,8 @@
         </p:nvCxnSpPr>
         <p:spPr>
           <a:xfrm>
-            <a:off x="9995557" y="751792"/>
-            <a:ext cx="814633" cy="956816"/>
+            <a:off x="9995557" y="1171282"/>
+            <a:ext cx="814633" cy="537326"/>
           </a:xfrm>
           <a:prstGeom prst="bentConnector2">
             <a:avLst/>
